--- a/the_defense_two.pptx
+++ b/the_defense_two.pptx
@@ -761,7 +761,7 @@
             <a:fld id="{A49D504B-9B0C-4FC4-88A1-E434BC3E90F8}" type="datetimeFigureOut">
               <a:rPr lang="en-US" smtClean="0"/>
               <a:pPr/>
-              <a:t>4/28/2014</a:t>
+              <a:t>4/29/2014</a:t>
             </a:fld>
             <a:endParaRPr lang="en-US"/>
           </a:p>
@@ -959,7 +959,7 @@
             <a:fld id="{A49D504B-9B0C-4FC4-88A1-E434BC3E90F8}" type="datetimeFigureOut">
               <a:rPr lang="en-US" smtClean="0"/>
               <a:pPr/>
-              <a:t>4/28/2014</a:t>
+              <a:t>4/29/2014</a:t>
             </a:fld>
             <a:endParaRPr lang="en-US"/>
           </a:p>
@@ -1146,7 +1146,7 @@
             <a:fld id="{A49D504B-9B0C-4FC4-88A1-E434BC3E90F8}" type="datetimeFigureOut">
               <a:rPr lang="en-US" smtClean="0"/>
               <a:pPr/>
-              <a:t>4/28/2014</a:t>
+              <a:t>4/29/2014</a:t>
             </a:fld>
             <a:endParaRPr lang="en-US"/>
           </a:p>
@@ -1298,7 +1298,7 @@
             <a:fld id="{A49D504B-9B0C-4FC4-88A1-E434BC3E90F8}" type="datetimeFigureOut">
               <a:rPr lang="en-US" smtClean="0"/>
               <a:pPr/>
-              <a:t>4/28/2014</a:t>
+              <a:t>4/29/2014</a:t>
             </a:fld>
             <a:endParaRPr lang="en-US"/>
           </a:p>
@@ -1550,7 +1550,7 @@
             <a:fld id="{A49D504B-9B0C-4FC4-88A1-E434BC3E90F8}" type="datetimeFigureOut">
               <a:rPr lang="en-US" smtClean="0"/>
               <a:pPr/>
-              <a:t>4/28/2014</a:t>
+              <a:t>4/29/2014</a:t>
             </a:fld>
             <a:endParaRPr lang="en-US"/>
           </a:p>
@@ -1956,7 +1956,7 @@
             <a:fld id="{A49D504B-9B0C-4FC4-88A1-E434BC3E90F8}" type="datetimeFigureOut">
               <a:rPr lang="en-US" smtClean="0"/>
               <a:pPr/>
-              <a:t>4/28/2014</a:t>
+              <a:t>4/29/2014</a:t>
             </a:fld>
             <a:endParaRPr lang="en-US"/>
           </a:p>
@@ -2399,7 +2399,7 @@
             <a:fld id="{A49D504B-9B0C-4FC4-88A1-E434BC3E90F8}" type="datetimeFigureOut">
               <a:rPr lang="en-US" smtClean="0"/>
               <a:pPr/>
-              <a:t>4/28/2014</a:t>
+              <a:t>4/29/2014</a:t>
             </a:fld>
             <a:endParaRPr lang="en-US"/>
           </a:p>
@@ -2497,7 +2497,7 @@
             <a:fld id="{A49D504B-9B0C-4FC4-88A1-E434BC3E90F8}" type="datetimeFigureOut">
               <a:rPr lang="en-US" smtClean="0"/>
               <a:pPr/>
-              <a:t>4/28/2014</a:t>
+              <a:t>4/29/2014</a:t>
             </a:fld>
             <a:endParaRPr lang="en-US"/>
           </a:p>
@@ -2620,7 +2620,7 @@
             <a:fld id="{A49D504B-9B0C-4FC4-88A1-E434BC3E90F8}" type="datetimeFigureOut">
               <a:rPr lang="en-US" smtClean="0"/>
               <a:pPr/>
-              <a:t>4/28/2014</a:t>
+              <a:t>4/29/2014</a:t>
             </a:fld>
             <a:endParaRPr lang="en-US"/>
           </a:p>
@@ -2891,7 +2891,7 @@
             <a:fld id="{A49D504B-9B0C-4FC4-88A1-E434BC3E90F8}" type="datetimeFigureOut">
               <a:rPr lang="en-US" smtClean="0"/>
               <a:pPr/>
-              <a:t>4/28/2014</a:t>
+              <a:t>4/29/2014</a:t>
             </a:fld>
             <a:endParaRPr lang="en-US"/>
           </a:p>
@@ -3093,7 +3093,7 @@
             <a:fld id="{A49D504B-9B0C-4FC4-88A1-E434BC3E90F8}" type="datetimeFigureOut">
               <a:rPr lang="en-US" smtClean="0"/>
               <a:pPr/>
-              <a:t>4/28/2014</a:t>
+              <a:t>4/29/2014</a:t>
             </a:fld>
             <a:endParaRPr lang="en-US"/>
           </a:p>
@@ -4204,7 +4204,7 @@
             <a:fld id="{A49D504B-9B0C-4FC4-88A1-E434BC3E90F8}" type="datetimeFigureOut">
               <a:rPr lang="en-US" smtClean="0"/>
               <a:pPr/>
-              <a:t>4/28/2014</a:t>
+              <a:t>4/29/2014</a:t>
             </a:fld>
             <a:endParaRPr lang="en-US"/>
           </a:p>
@@ -6101,7 +6101,37 @@
                   </a:schemeClr>
                 </a:solidFill>
               </a:rPr>
-              <a:t>target behavior 	– functional tested</a:t>
+              <a:t>target behavior 	</a:t>
+            </a:r>
+            <a:r>
+              <a:rPr lang="en-US" sz="1600" smtClean="0">
+                <a:solidFill>
+                  <a:schemeClr val="tx2">
+                    <a:lumMod val="50000"/>
+                  </a:schemeClr>
+                </a:solidFill>
+              </a:rPr>
+              <a:t>– </a:t>
+            </a:r>
+            <a:r>
+              <a:rPr lang="en-US" sz="1600" smtClean="0">
+                <a:solidFill>
+                  <a:schemeClr val="tx2">
+                    <a:lumMod val="50000"/>
+                  </a:schemeClr>
+                </a:solidFill>
+              </a:rPr>
+              <a:t>functionality </a:t>
+            </a:r>
+            <a:r>
+              <a:rPr lang="en-US" sz="1600" dirty="0" smtClean="0">
+                <a:solidFill>
+                  <a:schemeClr val="tx2">
+                    <a:lumMod val="50000"/>
+                  </a:schemeClr>
+                </a:solidFill>
+              </a:rPr>
+              <a:t>tested</a:t>
             </a:r>
           </a:p>
           <a:p>
